--- a/pics/2021-05-17-trace_determinant_plane/pics.pptx
+++ b/pics/2021-05-17-trace_determinant_plane/pics.pptx
@@ -8,6 +8,7 @@
     <p:sldId id="256" r:id="rId2"/>
     <p:sldId id="257" r:id="rId3"/>
     <p:sldId id="258" r:id="rId4"/>
+    <p:sldId id="259" r:id="rId5"/>
   </p:sldIdLst>
   <p:sldSz cx="9144000" cy="6858000" type="screen4x3"/>
   <p:notesSz cx="6858000" cy="9144000"/>
@@ -290,7 +291,7 @@
           <a:p>
             <a:fld id="{FB30EDBD-1C2D-4C1E-B459-B60219FAB484}" type="datetimeFigureOut">
               <a:rPr lang="ko-KR" altLang="en-US" smtClean="0"/>
-              <a:t>2021-05-24</a:t>
+              <a:t>2021-05-25</a:t>
             </a:fld>
             <a:endParaRPr lang="ko-KR" altLang="en-US"/>
           </a:p>
@@ -455,7 +456,7 @@
           <a:p>
             <a:fld id="{FB30EDBD-1C2D-4C1E-B459-B60219FAB484}" type="datetimeFigureOut">
               <a:rPr lang="ko-KR" altLang="en-US" smtClean="0"/>
-              <a:t>2021-05-24</a:t>
+              <a:t>2021-05-25</a:t>
             </a:fld>
             <a:endParaRPr lang="ko-KR" altLang="en-US"/>
           </a:p>
@@ -630,7 +631,7 @@
           <a:p>
             <a:fld id="{FB30EDBD-1C2D-4C1E-B459-B60219FAB484}" type="datetimeFigureOut">
               <a:rPr lang="ko-KR" altLang="en-US" smtClean="0"/>
-              <a:t>2021-05-24</a:t>
+              <a:t>2021-05-25</a:t>
             </a:fld>
             <a:endParaRPr lang="ko-KR" altLang="en-US"/>
           </a:p>
@@ -795,7 +796,7 @@
           <a:p>
             <a:fld id="{FB30EDBD-1C2D-4C1E-B459-B60219FAB484}" type="datetimeFigureOut">
               <a:rPr lang="ko-KR" altLang="en-US" smtClean="0"/>
-              <a:t>2021-05-24</a:t>
+              <a:t>2021-05-25</a:t>
             </a:fld>
             <a:endParaRPr lang="ko-KR" altLang="en-US"/>
           </a:p>
@@ -1036,7 +1037,7 @@
           <a:p>
             <a:fld id="{FB30EDBD-1C2D-4C1E-B459-B60219FAB484}" type="datetimeFigureOut">
               <a:rPr lang="ko-KR" altLang="en-US" smtClean="0"/>
-              <a:t>2021-05-24</a:t>
+              <a:t>2021-05-25</a:t>
             </a:fld>
             <a:endParaRPr lang="ko-KR" altLang="en-US"/>
           </a:p>
@@ -1319,7 +1320,7 @@
           <a:p>
             <a:fld id="{FB30EDBD-1C2D-4C1E-B459-B60219FAB484}" type="datetimeFigureOut">
               <a:rPr lang="ko-KR" altLang="en-US" smtClean="0"/>
-              <a:t>2021-05-24</a:t>
+              <a:t>2021-05-25</a:t>
             </a:fld>
             <a:endParaRPr lang="ko-KR" altLang="en-US"/>
           </a:p>
@@ -1736,7 +1737,7 @@
           <a:p>
             <a:fld id="{FB30EDBD-1C2D-4C1E-B459-B60219FAB484}" type="datetimeFigureOut">
               <a:rPr lang="ko-KR" altLang="en-US" smtClean="0"/>
-              <a:t>2021-05-24</a:t>
+              <a:t>2021-05-25</a:t>
             </a:fld>
             <a:endParaRPr lang="ko-KR" altLang="en-US"/>
           </a:p>
@@ -1849,7 +1850,7 @@
           <a:p>
             <a:fld id="{FB30EDBD-1C2D-4C1E-B459-B60219FAB484}" type="datetimeFigureOut">
               <a:rPr lang="ko-KR" altLang="en-US" smtClean="0"/>
-              <a:t>2021-05-24</a:t>
+              <a:t>2021-05-25</a:t>
             </a:fld>
             <a:endParaRPr lang="ko-KR" altLang="en-US"/>
           </a:p>
@@ -1939,7 +1940,7 @@
           <a:p>
             <a:fld id="{FB30EDBD-1C2D-4C1E-B459-B60219FAB484}" type="datetimeFigureOut">
               <a:rPr lang="ko-KR" altLang="en-US" smtClean="0"/>
-              <a:t>2021-05-24</a:t>
+              <a:t>2021-05-25</a:t>
             </a:fld>
             <a:endParaRPr lang="ko-KR" altLang="en-US"/>
           </a:p>
@@ -2211,7 +2212,7 @@
           <a:p>
             <a:fld id="{FB30EDBD-1C2D-4C1E-B459-B60219FAB484}" type="datetimeFigureOut">
               <a:rPr lang="ko-KR" altLang="en-US" smtClean="0"/>
-              <a:t>2021-05-24</a:t>
+              <a:t>2021-05-25</a:t>
             </a:fld>
             <a:endParaRPr lang="ko-KR" altLang="en-US"/>
           </a:p>
@@ -2459,7 +2460,7 @@
           <a:p>
             <a:fld id="{FB30EDBD-1C2D-4C1E-B459-B60219FAB484}" type="datetimeFigureOut">
               <a:rPr lang="ko-KR" altLang="en-US" smtClean="0"/>
-              <a:t>2021-05-24</a:t>
+              <a:t>2021-05-25</a:t>
             </a:fld>
             <a:endParaRPr lang="ko-KR" altLang="en-US"/>
           </a:p>
@@ -2667,7 +2668,7 @@
           <a:p>
             <a:fld id="{FB30EDBD-1C2D-4C1E-B459-B60219FAB484}" type="datetimeFigureOut">
               <a:rPr lang="ko-KR" altLang="en-US" smtClean="0"/>
-              <a:t>2021-05-24</a:t>
+              <a:t>2021-05-25</a:t>
             </a:fld>
             <a:endParaRPr lang="ko-KR" altLang="en-US"/>
           </a:p>
@@ -3670,6 +3671,284 @@
 </p:sld>
 </file>
 
+<file path=ppt/slides/slide4.xml><?xml version="1.0" encoding="utf-8"?>
+<p:sld xmlns:a="http://schemas.openxmlformats.org/drawingml/2006/main" xmlns:r="http://schemas.openxmlformats.org/officeDocument/2006/relationships" xmlns:p="http://schemas.openxmlformats.org/presentationml/2006/main">
+  <p:cSld>
+    <p:spTree>
+      <p:nvGrpSpPr>
+        <p:cNvPr id="1" name=""/>
+        <p:cNvGrpSpPr/>
+        <p:nvPr/>
+      </p:nvGrpSpPr>
+      <p:grpSpPr>
+        <a:xfrm>
+          <a:off x="0" y="0"/>
+          <a:ext cx="0" cy="0"/>
+          <a:chOff x="0" y="0"/>
+          <a:chExt cx="0" cy="0"/>
+        </a:xfrm>
+      </p:grpSpPr>
+      <p:pic>
+        <p:nvPicPr>
+          <p:cNvPr id="1026" name="Picture 2"/>
+          <p:cNvPicPr>
+            <a:picLocks noChangeAspect="1" noChangeArrowheads="1"/>
+          </p:cNvPicPr>
+          <p:nvPr/>
+        </p:nvPicPr>
+        <p:blipFill>
+          <a:blip r:embed="rId2">
+            <a:extLst>
+              <a:ext uri="{28A0092B-C50C-407E-A947-70E740481C1C}">
+                <a14:useLocalDpi xmlns:a14="http://schemas.microsoft.com/office/drawing/2010/main" val="0"/>
+              </a:ext>
+            </a:extLst>
+          </a:blip>
+          <a:srcRect/>
+          <a:stretch>
+            <a:fillRect/>
+          </a:stretch>
+        </p:blipFill>
+        <p:spPr bwMode="auto">
+          <a:xfrm>
+            <a:off x="1909762" y="1433512"/>
+            <a:ext cx="5324475" cy="3990975"/>
+          </a:xfrm>
+          <a:prstGeom prst="rect">
+            <a:avLst/>
+          </a:prstGeom>
+          <a:noFill/>
+          <a:ln>
+            <a:noFill/>
+          </a:ln>
+          <a:effectLst/>
+          <a:extLst>
+            <a:ext uri="{909E8E84-426E-40DD-AFC4-6F175D3DCCD1}">
+              <a14:hiddenFill xmlns:a14="http://schemas.microsoft.com/office/drawing/2010/main">
+                <a:solidFill>
+                  <a:schemeClr val="accent1"/>
+                </a:solidFill>
+              </a14:hiddenFill>
+            </a:ext>
+            <a:ext uri="{91240B29-F687-4F45-9708-019B960494DF}">
+              <a14:hiddenLine xmlns:a14="http://schemas.microsoft.com/office/drawing/2010/main" w="9525">
+                <a:solidFill>
+                  <a:schemeClr val="tx1"/>
+                </a:solidFill>
+                <a:miter lim="800000"/>
+                <a:headEnd/>
+                <a:tailEnd/>
+              </a14:hiddenLine>
+            </a:ext>
+            <a:ext uri="{AF507438-7753-43E0-B8FC-AC1667EBCBE1}">
+              <a14:hiddenEffects xmlns:a14="http://schemas.microsoft.com/office/drawing/2010/main">
+                <a:effectLst>
+                  <a:outerShdw dist="35921" dir="2700000" algn="ctr" rotWithShape="0">
+                    <a:schemeClr val="bg2"/>
+                  </a:outerShdw>
+                </a:effectLst>
+              </a14:hiddenEffects>
+            </a:ext>
+          </a:extLst>
+        </p:spPr>
+      </p:pic>
+      <p:sp>
+        <p:nvSpPr>
+          <p:cNvPr id="6" name="이등변 삼각형 5"/>
+          <p:cNvSpPr/>
+          <p:nvPr/>
+        </p:nvSpPr>
+        <p:spPr>
+          <a:xfrm rot="7838624">
+            <a:off x="6182419" y="3707196"/>
+            <a:ext cx="150095" cy="125586"/>
+          </a:xfrm>
+          <a:prstGeom prst="triangle">
+            <a:avLst/>
+          </a:prstGeom>
+          <a:solidFill>
+            <a:srgbClr val="0000FF"/>
+          </a:solidFill>
+          <a:ln>
+            <a:noFill/>
+          </a:ln>
+        </p:spPr>
+        <p:style>
+          <a:lnRef idx="2">
+            <a:schemeClr val="accent1">
+              <a:shade val="50000"/>
+            </a:schemeClr>
+          </a:lnRef>
+          <a:fillRef idx="1">
+            <a:schemeClr val="accent1"/>
+          </a:fillRef>
+          <a:effectRef idx="0">
+            <a:schemeClr val="accent1"/>
+          </a:effectRef>
+          <a:fontRef idx="minor">
+            <a:schemeClr val="lt1"/>
+          </a:fontRef>
+        </p:style>
+        <p:txBody>
+          <a:bodyPr rtlCol="0" anchor="ctr"/>
+          <a:lstStyle/>
+          <a:p>
+            <a:pPr algn="ctr"/>
+            <a:endParaRPr lang="ko-KR" altLang="en-US"/>
+          </a:p>
+        </p:txBody>
+      </p:sp>
+      <p:sp>
+        <p:nvSpPr>
+          <p:cNvPr id="7" name="이등변 삼각형 6"/>
+          <p:cNvSpPr/>
+          <p:nvPr/>
+        </p:nvSpPr>
+        <p:spPr>
+          <a:xfrm rot="12036246">
+            <a:off x="4453388" y="4878431"/>
+            <a:ext cx="150095" cy="125586"/>
+          </a:xfrm>
+          <a:prstGeom prst="triangle">
+            <a:avLst/>
+          </a:prstGeom>
+          <a:solidFill>
+            <a:srgbClr val="0000FF"/>
+          </a:solidFill>
+          <a:ln>
+            <a:noFill/>
+          </a:ln>
+        </p:spPr>
+        <p:style>
+          <a:lnRef idx="2">
+            <a:schemeClr val="accent1">
+              <a:shade val="50000"/>
+            </a:schemeClr>
+          </a:lnRef>
+          <a:fillRef idx="1">
+            <a:schemeClr val="accent1"/>
+          </a:fillRef>
+          <a:effectRef idx="0">
+            <a:schemeClr val="accent1"/>
+          </a:effectRef>
+          <a:fontRef idx="minor">
+            <a:schemeClr val="lt1"/>
+          </a:fontRef>
+        </p:style>
+        <p:txBody>
+          <a:bodyPr rtlCol="0" anchor="ctr"/>
+          <a:lstStyle/>
+          <a:p>
+            <a:pPr algn="ctr"/>
+            <a:endParaRPr lang="ko-KR" altLang="en-US"/>
+          </a:p>
+        </p:txBody>
+      </p:sp>
+      <p:sp>
+        <p:nvSpPr>
+          <p:cNvPr id="9" name="이등변 삼각형 8"/>
+          <p:cNvSpPr/>
+          <p:nvPr/>
+        </p:nvSpPr>
+        <p:spPr>
+          <a:xfrm rot="922396">
+            <a:off x="4729777" y="1727983"/>
+            <a:ext cx="150095" cy="125586"/>
+          </a:xfrm>
+          <a:prstGeom prst="triangle">
+            <a:avLst/>
+          </a:prstGeom>
+          <a:solidFill>
+            <a:srgbClr val="0000FF"/>
+          </a:solidFill>
+          <a:ln>
+            <a:noFill/>
+          </a:ln>
+        </p:spPr>
+        <p:style>
+          <a:lnRef idx="2">
+            <a:schemeClr val="accent1">
+              <a:shade val="50000"/>
+            </a:schemeClr>
+          </a:lnRef>
+          <a:fillRef idx="1">
+            <a:schemeClr val="accent1"/>
+          </a:fillRef>
+          <a:effectRef idx="0">
+            <a:schemeClr val="accent1"/>
+          </a:effectRef>
+          <a:fontRef idx="minor">
+            <a:schemeClr val="lt1"/>
+          </a:fontRef>
+        </p:style>
+        <p:txBody>
+          <a:bodyPr rtlCol="0" anchor="ctr"/>
+          <a:lstStyle/>
+          <a:p>
+            <a:pPr algn="ctr"/>
+            <a:endParaRPr lang="ko-KR" altLang="en-US"/>
+          </a:p>
+        </p:txBody>
+      </p:sp>
+      <p:sp>
+        <p:nvSpPr>
+          <p:cNvPr id="11" name="이등변 삼각형 10"/>
+          <p:cNvSpPr/>
+          <p:nvPr/>
+        </p:nvSpPr>
+        <p:spPr>
+          <a:xfrm rot="18996630">
+            <a:off x="2998507" y="2894040"/>
+            <a:ext cx="150095" cy="125586"/>
+          </a:xfrm>
+          <a:prstGeom prst="triangle">
+            <a:avLst/>
+          </a:prstGeom>
+          <a:solidFill>
+            <a:srgbClr val="0000FF"/>
+          </a:solidFill>
+          <a:ln>
+            <a:noFill/>
+          </a:ln>
+        </p:spPr>
+        <p:style>
+          <a:lnRef idx="2">
+            <a:schemeClr val="accent1">
+              <a:shade val="50000"/>
+            </a:schemeClr>
+          </a:lnRef>
+          <a:fillRef idx="1">
+            <a:schemeClr val="accent1"/>
+          </a:fillRef>
+          <a:effectRef idx="0">
+            <a:schemeClr val="accent1"/>
+          </a:effectRef>
+          <a:fontRef idx="minor">
+            <a:schemeClr val="lt1"/>
+          </a:fontRef>
+        </p:style>
+        <p:txBody>
+          <a:bodyPr rtlCol="0" anchor="ctr"/>
+          <a:lstStyle/>
+          <a:p>
+            <a:pPr algn="ctr"/>
+            <a:endParaRPr lang="ko-KR" altLang="en-US"/>
+          </a:p>
+        </p:txBody>
+      </p:sp>
+    </p:spTree>
+    <p:extLst>
+      <p:ext uri="{BB962C8B-B14F-4D97-AF65-F5344CB8AC3E}">
+        <p14:creationId xmlns:p14="http://schemas.microsoft.com/office/powerpoint/2010/main" val="2955270351"/>
+      </p:ext>
+    </p:extLst>
+  </p:cSld>
+  <p:clrMapOvr>
+    <a:masterClrMapping/>
+  </p:clrMapOvr>
+</p:sld>
+</file>
+
 <file path=ppt/theme/theme1.xml><?xml version="1.0" encoding="utf-8"?>
 <a:theme xmlns:a="http://schemas.openxmlformats.org/drawingml/2006/main" name="Office 테마">
   <a:themeElements>

--- a/pics/2021-05-17-trace_determinant_plane/pics.pptx
+++ b/pics/2021-05-17-trace_determinant_plane/pics.pptx
@@ -9,6 +9,7 @@
     <p:sldId id="257" r:id="rId3"/>
     <p:sldId id="258" r:id="rId4"/>
     <p:sldId id="259" r:id="rId5"/>
+    <p:sldId id="260" r:id="rId6"/>
   </p:sldIdLst>
   <p:sldSz cx="9144000" cy="6858000" type="screen4x3"/>
   <p:notesSz cx="6858000" cy="9144000"/>
@@ -3949,6 +3950,267 @@
 </p:sld>
 </file>
 
+<file path=ppt/slides/slide5.xml><?xml version="1.0" encoding="utf-8"?>
+<p:sld xmlns:a="http://schemas.openxmlformats.org/drawingml/2006/main" xmlns:r="http://schemas.openxmlformats.org/officeDocument/2006/relationships" xmlns:p="http://schemas.openxmlformats.org/presentationml/2006/main">
+  <p:cSld>
+    <p:spTree>
+      <p:nvGrpSpPr>
+        <p:cNvPr id="1" name=""/>
+        <p:cNvGrpSpPr/>
+        <p:nvPr/>
+      </p:nvGrpSpPr>
+      <p:grpSpPr>
+        <a:xfrm>
+          <a:off x="0" y="0"/>
+          <a:ext cx="0" cy="0"/>
+          <a:chOff x="0" y="0"/>
+          <a:chExt cx="0" cy="0"/>
+        </a:xfrm>
+      </p:grpSpPr>
+      <p:pic>
+        <p:nvPicPr>
+          <p:cNvPr id="1026" name="Picture 2"/>
+          <p:cNvPicPr>
+            <a:picLocks noChangeAspect="1" noChangeArrowheads="1"/>
+          </p:cNvPicPr>
+          <p:nvPr/>
+        </p:nvPicPr>
+        <p:blipFill>
+          <a:blip r:embed="rId2">
+            <a:extLst>
+              <a:ext uri="{28A0092B-C50C-407E-A947-70E740481C1C}">
+                <a14:useLocalDpi xmlns:a14="http://schemas.microsoft.com/office/drawing/2010/main" val="0"/>
+              </a:ext>
+            </a:extLst>
+          </a:blip>
+          <a:srcRect/>
+          <a:stretch>
+            <a:fillRect/>
+          </a:stretch>
+        </p:blipFill>
+        <p:spPr bwMode="auto">
+          <a:xfrm>
+            <a:off x="1233488" y="338138"/>
+            <a:ext cx="6677025" cy="6181725"/>
+          </a:xfrm>
+          <a:prstGeom prst="rect">
+            <a:avLst/>
+          </a:prstGeom>
+          <a:noFill/>
+          <a:ln>
+            <a:noFill/>
+          </a:ln>
+          <a:effectLst/>
+          <a:extLst>
+            <a:ext uri="{909E8E84-426E-40DD-AFC4-6F175D3DCCD1}">
+              <a14:hiddenFill xmlns:a14="http://schemas.microsoft.com/office/drawing/2010/main">
+                <a:solidFill>
+                  <a:schemeClr val="accent1"/>
+                </a:solidFill>
+              </a14:hiddenFill>
+            </a:ext>
+            <a:ext uri="{91240B29-F687-4F45-9708-019B960494DF}">
+              <a14:hiddenLine xmlns:a14="http://schemas.microsoft.com/office/drawing/2010/main" w="9525">
+                <a:solidFill>
+                  <a:schemeClr val="tx1"/>
+                </a:solidFill>
+                <a:miter lim="800000"/>
+                <a:headEnd/>
+                <a:tailEnd/>
+              </a14:hiddenLine>
+            </a:ext>
+            <a:ext uri="{AF507438-7753-43E0-B8FC-AC1667EBCBE1}">
+              <a14:hiddenEffects xmlns:a14="http://schemas.microsoft.com/office/drawing/2010/main">
+                <a:effectLst>
+                  <a:outerShdw dist="35921" dir="2700000" algn="ctr" rotWithShape="0">
+                    <a:schemeClr val="bg2"/>
+                  </a:outerShdw>
+                </a:effectLst>
+              </a14:hiddenEffects>
+            </a:ext>
+          </a:extLst>
+        </p:spPr>
+      </p:pic>
+      <mc:AlternateContent xmlns:mc="http://schemas.openxmlformats.org/markup-compatibility/2006">
+        <mc:Choice xmlns:a14="http://schemas.microsoft.com/office/drawing/2010/main" Requires="a14">
+          <p:sp>
+            <p:nvSpPr>
+              <p:cNvPr id="4" name="TextBox 3"/>
+              <p:cNvSpPr txBox="1"/>
+              <p:nvPr/>
+            </p:nvSpPr>
+            <p:spPr>
+              <a:xfrm>
+                <a:off x="6725269" y="836712"/>
+                <a:ext cx="1172051" cy="610936"/>
+              </a:xfrm>
+              <a:prstGeom prst="rect">
+                <a:avLst/>
+              </a:prstGeom>
+              <a:noFill/>
+            </p:spPr>
+            <p:txBody>
+              <a:bodyPr wrap="none" rtlCol="0">
+                <a:spAutoFit/>
+              </a:bodyPr>
+              <a:lstStyle/>
+              <a:p>
+                <a14:m>
+                  <m:oMathPara xmlns:m="http://schemas.openxmlformats.org/officeDocument/2006/math">
+                    <m:oMathParaPr>
+                      <m:jc m:val="centerGroup"/>
+                    </m:oMathParaPr>
+                    <m:oMath xmlns:m="http://schemas.openxmlformats.org/officeDocument/2006/math">
+                      <m:r>
+                        <a:rPr lang="en-US" altLang="ko-KR" b="0" i="1" smtClean="0">
+                          <a:solidFill>
+                            <a:srgbClr val="0072BD"/>
+                          </a:solidFill>
+                          <a:latin typeface="Cambria Math"/>
+                        </a:rPr>
+                        <m:t>𝐷</m:t>
+                      </m:r>
+                      <m:r>
+                        <a:rPr lang="en-US" altLang="ko-KR" b="0" i="1" smtClean="0">
+                          <a:solidFill>
+                            <a:srgbClr val="0072BD"/>
+                          </a:solidFill>
+                          <a:latin typeface="Cambria Math"/>
+                        </a:rPr>
+                        <m:t>=</m:t>
+                      </m:r>
+                      <m:f>
+                        <m:fPr>
+                          <m:ctrlPr>
+                            <a:rPr lang="en-US" altLang="ko-KR" i="1" smtClean="0">
+                              <a:solidFill>
+                                <a:srgbClr val="0072BD"/>
+                              </a:solidFill>
+                              <a:latin typeface="Cambria Math"/>
+                            </a:rPr>
+                          </m:ctrlPr>
+                        </m:fPr>
+                        <m:num>
+                          <m:r>
+                            <a:rPr lang="en-US" altLang="ko-KR" b="0" i="1" smtClean="0">
+                              <a:solidFill>
+                                <a:srgbClr val="0072BD"/>
+                              </a:solidFill>
+                              <a:latin typeface="Cambria Math"/>
+                            </a:rPr>
+                            <m:t>1</m:t>
+                          </m:r>
+                        </m:num>
+                        <m:den>
+                          <m:r>
+                            <a:rPr lang="en-US" altLang="ko-KR" b="0" i="1" smtClean="0">
+                              <a:solidFill>
+                                <a:srgbClr val="0072BD"/>
+                              </a:solidFill>
+                              <a:latin typeface="Cambria Math"/>
+                            </a:rPr>
+                            <m:t>4</m:t>
+                          </m:r>
+                        </m:den>
+                      </m:f>
+                      <m:sSup>
+                        <m:sSupPr>
+                          <m:ctrlPr>
+                            <a:rPr lang="en-US" altLang="ko-KR" i="1" smtClean="0">
+                              <a:solidFill>
+                                <a:srgbClr val="0072BD"/>
+                              </a:solidFill>
+                              <a:latin typeface="Cambria Math"/>
+                            </a:rPr>
+                          </m:ctrlPr>
+                        </m:sSupPr>
+                        <m:e>
+                          <m:r>
+                            <a:rPr lang="en-US" altLang="ko-KR" b="0" i="1" smtClean="0">
+                              <a:solidFill>
+                                <a:srgbClr val="0072BD"/>
+                              </a:solidFill>
+                              <a:latin typeface="Cambria Math"/>
+                            </a:rPr>
+                            <m:t>𝑇</m:t>
+                          </m:r>
+                        </m:e>
+                        <m:sup>
+                          <m:r>
+                            <a:rPr lang="en-US" altLang="ko-KR" b="0" i="1" smtClean="0">
+                              <a:solidFill>
+                                <a:srgbClr val="0072BD"/>
+                              </a:solidFill>
+                              <a:latin typeface="Cambria Math"/>
+                            </a:rPr>
+                            <m:t>2</m:t>
+                          </m:r>
+                        </m:sup>
+                      </m:sSup>
+                    </m:oMath>
+                  </m:oMathPara>
+                </a14:m>
+                <a:endParaRPr lang="ko-KR" altLang="en-US" dirty="0">
+                  <a:solidFill>
+                    <a:srgbClr val="0072BD"/>
+                  </a:solidFill>
+                </a:endParaRPr>
+              </a:p>
+            </p:txBody>
+          </p:sp>
+        </mc:Choice>
+        <mc:Fallback>
+          <p:sp>
+            <p:nvSpPr>
+              <p:cNvPr id="4" name="TextBox 3"/>
+              <p:cNvSpPr txBox="1">
+                <a:spLocks noRot="1" noChangeAspect="1" noMove="1" noResize="1" noEditPoints="1" noAdjustHandles="1" noChangeArrowheads="1" noChangeShapeType="1" noTextEdit="1"/>
+              </p:cNvSpPr>
+              <p:nvPr/>
+            </p:nvSpPr>
+            <p:spPr>
+              <a:xfrm>
+                <a:off x="6725269" y="836712"/>
+                <a:ext cx="1172051" cy="610936"/>
+              </a:xfrm>
+              <a:prstGeom prst="rect">
+                <a:avLst/>
+              </a:prstGeom>
+              <a:blipFill rotWithShape="1">
+                <a:blip r:embed="rId3"/>
+                <a:stretch>
+                  <a:fillRect/>
+                </a:stretch>
+              </a:blipFill>
+            </p:spPr>
+            <p:txBody>
+              <a:bodyPr/>
+              <a:lstStyle/>
+              <a:p>
+                <a:r>
+                  <a:rPr lang="ko-KR" altLang="en-US">
+                    <a:noFill/>
+                  </a:rPr>
+                  <a:t> </a:t>
+                </a:r>
+              </a:p>
+            </p:txBody>
+          </p:sp>
+        </mc:Fallback>
+      </mc:AlternateContent>
+    </p:spTree>
+    <p:extLst>
+      <p:ext uri="{BB962C8B-B14F-4D97-AF65-F5344CB8AC3E}">
+        <p14:creationId xmlns:p14="http://schemas.microsoft.com/office/powerpoint/2010/main" val="2830069239"/>
+      </p:ext>
+    </p:extLst>
+  </p:cSld>
+  <p:clrMapOvr>
+    <a:masterClrMapping/>
+  </p:clrMapOvr>
+</p:sld>
+</file>
+
 <file path=ppt/theme/theme1.xml><?xml version="1.0" encoding="utf-8"?>
 <a:theme xmlns:a="http://schemas.openxmlformats.org/drawingml/2006/main" name="Office 테마">
   <a:themeElements>

--- a/pics/2021-05-17-trace_determinant_plane/pics.pptx
+++ b/pics/2021-05-17-trace_determinant_plane/pics.pptx
@@ -4,13 +4,6 @@
   <p:sldMasterIdLst>
     <p:sldMasterId id="2147483648" r:id="rId1"/>
   </p:sldMasterIdLst>
-  <p:sldIdLst>
-    <p:sldId id="256" r:id="rId2"/>
-    <p:sldId id="257" r:id="rId3"/>
-    <p:sldId id="258" r:id="rId4"/>
-    <p:sldId id="259" r:id="rId5"/>
-    <p:sldId id="260" r:id="rId6"/>
-  </p:sldIdLst>
   <p:sldSz cx="9144000" cy="6858000" type="screen4x3"/>
   <p:notesSz cx="6858000" cy="9144000"/>
   <p:defaultTextStyle>
@@ -292,7 +285,7 @@
           <a:p>
             <a:fld id="{FB30EDBD-1C2D-4C1E-B459-B60219FAB484}" type="datetimeFigureOut">
               <a:rPr lang="ko-KR" altLang="en-US" smtClean="0"/>
-              <a:t>2021-05-25</a:t>
+              <a:t>2006-10-04</a:t>
             </a:fld>
             <a:endParaRPr lang="ko-KR" altLang="en-US"/>
           </a:p>
@@ -457,7 +450,7 @@
           <a:p>
             <a:fld id="{FB30EDBD-1C2D-4C1E-B459-B60219FAB484}" type="datetimeFigureOut">
               <a:rPr lang="ko-KR" altLang="en-US" smtClean="0"/>
-              <a:t>2021-05-25</a:t>
+              <a:t>2006-10-04</a:t>
             </a:fld>
             <a:endParaRPr lang="ko-KR" altLang="en-US"/>
           </a:p>
@@ -632,7 +625,7 @@
           <a:p>
             <a:fld id="{FB30EDBD-1C2D-4C1E-B459-B60219FAB484}" type="datetimeFigureOut">
               <a:rPr lang="ko-KR" altLang="en-US" smtClean="0"/>
-              <a:t>2021-05-25</a:t>
+              <a:t>2006-10-04</a:t>
             </a:fld>
             <a:endParaRPr lang="ko-KR" altLang="en-US"/>
           </a:p>
@@ -797,7 +790,7 @@
           <a:p>
             <a:fld id="{FB30EDBD-1C2D-4C1E-B459-B60219FAB484}" type="datetimeFigureOut">
               <a:rPr lang="ko-KR" altLang="en-US" smtClean="0"/>
-              <a:t>2021-05-25</a:t>
+              <a:t>2006-10-04</a:t>
             </a:fld>
             <a:endParaRPr lang="ko-KR" altLang="en-US"/>
           </a:p>
@@ -1038,7 +1031,7 @@
           <a:p>
             <a:fld id="{FB30EDBD-1C2D-4C1E-B459-B60219FAB484}" type="datetimeFigureOut">
               <a:rPr lang="ko-KR" altLang="en-US" smtClean="0"/>
-              <a:t>2021-05-25</a:t>
+              <a:t>2006-10-04</a:t>
             </a:fld>
             <a:endParaRPr lang="ko-KR" altLang="en-US"/>
           </a:p>
@@ -1321,7 +1314,7 @@
           <a:p>
             <a:fld id="{FB30EDBD-1C2D-4C1E-B459-B60219FAB484}" type="datetimeFigureOut">
               <a:rPr lang="ko-KR" altLang="en-US" smtClean="0"/>
-              <a:t>2021-05-25</a:t>
+              <a:t>2006-10-04</a:t>
             </a:fld>
             <a:endParaRPr lang="ko-KR" altLang="en-US"/>
           </a:p>
@@ -1738,7 +1731,7 @@
           <a:p>
             <a:fld id="{FB30EDBD-1C2D-4C1E-B459-B60219FAB484}" type="datetimeFigureOut">
               <a:rPr lang="ko-KR" altLang="en-US" smtClean="0"/>
-              <a:t>2021-05-25</a:t>
+              <a:t>2006-10-04</a:t>
             </a:fld>
             <a:endParaRPr lang="ko-KR" altLang="en-US"/>
           </a:p>
@@ -1851,7 +1844,7 @@
           <a:p>
             <a:fld id="{FB30EDBD-1C2D-4C1E-B459-B60219FAB484}" type="datetimeFigureOut">
               <a:rPr lang="ko-KR" altLang="en-US" smtClean="0"/>
-              <a:t>2021-05-25</a:t>
+              <a:t>2006-10-04</a:t>
             </a:fld>
             <a:endParaRPr lang="ko-KR" altLang="en-US"/>
           </a:p>
@@ -1941,7 +1934,7 @@
           <a:p>
             <a:fld id="{FB30EDBD-1C2D-4C1E-B459-B60219FAB484}" type="datetimeFigureOut">
               <a:rPr lang="ko-KR" altLang="en-US" smtClean="0"/>
-              <a:t>2021-05-25</a:t>
+              <a:t>2006-10-04</a:t>
             </a:fld>
             <a:endParaRPr lang="ko-KR" altLang="en-US"/>
           </a:p>
@@ -2213,7 +2206,7 @@
           <a:p>
             <a:fld id="{FB30EDBD-1C2D-4C1E-B459-B60219FAB484}" type="datetimeFigureOut">
               <a:rPr lang="ko-KR" altLang="en-US" smtClean="0"/>
-              <a:t>2021-05-25</a:t>
+              <a:t>2006-10-04</a:t>
             </a:fld>
             <a:endParaRPr lang="ko-KR" altLang="en-US"/>
           </a:p>
@@ -2461,7 +2454,7 @@
           <a:p>
             <a:fld id="{FB30EDBD-1C2D-4C1E-B459-B60219FAB484}" type="datetimeFigureOut">
               <a:rPr lang="ko-KR" altLang="en-US" smtClean="0"/>
-              <a:t>2021-05-25</a:t>
+              <a:t>2006-10-04</a:t>
             </a:fld>
             <a:endParaRPr lang="ko-KR" altLang="en-US"/>
           </a:p>
@@ -2669,7 +2662,7 @@
           <a:p>
             <a:fld id="{FB30EDBD-1C2D-4C1E-B459-B60219FAB484}" type="datetimeFigureOut">
               <a:rPr lang="ko-KR" altLang="en-US" smtClean="0"/>
-              <a:t>2021-05-25</a:t>
+              <a:t>2006-10-04</a:t>
             </a:fld>
             <a:endParaRPr lang="ko-KR" altLang="en-US"/>
           </a:p>
@@ -3020,1195 +3013,6 @@
     </p:otherStyle>
   </p:txStyles>
 </p:sldMaster>
-</file>
-
-<file path=ppt/slides/slide1.xml><?xml version="1.0" encoding="utf-8"?>
-<p:sld xmlns:a="http://schemas.openxmlformats.org/drawingml/2006/main" xmlns:r="http://schemas.openxmlformats.org/officeDocument/2006/relationships" xmlns:p="http://schemas.openxmlformats.org/presentationml/2006/main">
-  <p:cSld>
-    <p:spTree>
-      <p:nvGrpSpPr>
-        <p:cNvPr id="1" name=""/>
-        <p:cNvGrpSpPr/>
-        <p:nvPr/>
-      </p:nvGrpSpPr>
-      <p:grpSpPr>
-        <a:xfrm>
-          <a:off x="0" y="0"/>
-          <a:ext cx="0" cy="0"/>
-          <a:chOff x="0" y="0"/>
-          <a:chExt cx="0" cy="0"/>
-        </a:xfrm>
-      </p:grpSpPr>
-      <p:pic>
-        <p:nvPicPr>
-          <p:cNvPr id="1026" name="Picture 2"/>
-          <p:cNvPicPr>
-            <a:picLocks noChangeAspect="1" noChangeArrowheads="1"/>
-          </p:cNvPicPr>
-          <p:nvPr/>
-        </p:nvPicPr>
-        <p:blipFill>
-          <a:blip r:embed="rId2">
-            <a:extLst>
-              <a:ext uri="{28A0092B-C50C-407E-A947-70E740481C1C}">
-                <a14:useLocalDpi xmlns:a14="http://schemas.microsoft.com/office/drawing/2010/main" val="0"/>
-              </a:ext>
-            </a:extLst>
-          </a:blip>
-          <a:srcRect/>
-          <a:stretch>
-            <a:fillRect/>
-          </a:stretch>
-        </p:blipFill>
-        <p:spPr bwMode="auto">
-          <a:xfrm>
-            <a:off x="1909763" y="1433513"/>
-            <a:ext cx="5324475" cy="3990975"/>
-          </a:xfrm>
-          <a:prstGeom prst="rect">
-            <a:avLst/>
-          </a:prstGeom>
-          <a:noFill/>
-          <a:ln>
-            <a:noFill/>
-          </a:ln>
-          <a:effectLst/>
-          <a:extLst>
-            <a:ext uri="{909E8E84-426E-40DD-AFC4-6F175D3DCCD1}">
-              <a14:hiddenFill xmlns:a14="http://schemas.microsoft.com/office/drawing/2010/main">
-                <a:solidFill>
-                  <a:schemeClr val="accent1"/>
-                </a:solidFill>
-              </a14:hiddenFill>
-            </a:ext>
-            <a:ext uri="{91240B29-F687-4F45-9708-019B960494DF}">
-              <a14:hiddenLine xmlns:a14="http://schemas.microsoft.com/office/drawing/2010/main" w="9525">
-                <a:solidFill>
-                  <a:schemeClr val="tx1"/>
-                </a:solidFill>
-                <a:miter lim="800000"/>
-                <a:headEnd/>
-                <a:tailEnd/>
-              </a14:hiddenLine>
-            </a:ext>
-            <a:ext uri="{AF507438-7753-43E0-B8FC-AC1667EBCBE1}">
-              <a14:hiddenEffects xmlns:a14="http://schemas.microsoft.com/office/drawing/2010/main">
-                <a:effectLst>
-                  <a:outerShdw dist="35921" dir="2700000" algn="ctr" rotWithShape="0">
-                    <a:schemeClr val="bg2"/>
-                  </a:outerShdw>
-                </a:effectLst>
-              </a14:hiddenEffects>
-            </a:ext>
-          </a:extLst>
-        </p:spPr>
-      </p:pic>
-    </p:spTree>
-    <p:extLst>
-      <p:ext uri="{BB962C8B-B14F-4D97-AF65-F5344CB8AC3E}">
-        <p14:creationId xmlns:p14="http://schemas.microsoft.com/office/powerpoint/2010/main" val="2384683167"/>
-      </p:ext>
-    </p:extLst>
-  </p:cSld>
-  <p:clrMapOvr>
-    <a:masterClrMapping/>
-  </p:clrMapOvr>
-</p:sld>
-</file>
-
-<file path=ppt/slides/slide2.xml><?xml version="1.0" encoding="utf-8"?>
-<p:sld xmlns:a="http://schemas.openxmlformats.org/drawingml/2006/main" xmlns:r="http://schemas.openxmlformats.org/officeDocument/2006/relationships" xmlns:p="http://schemas.openxmlformats.org/presentationml/2006/main">
-  <p:cSld>
-    <p:spTree>
-      <p:nvGrpSpPr>
-        <p:cNvPr id="1" name=""/>
-        <p:cNvGrpSpPr/>
-        <p:nvPr/>
-      </p:nvGrpSpPr>
-      <p:grpSpPr>
-        <a:xfrm>
-          <a:off x="0" y="0"/>
-          <a:ext cx="0" cy="0"/>
-          <a:chOff x="0" y="0"/>
-          <a:chExt cx="0" cy="0"/>
-        </a:xfrm>
-      </p:grpSpPr>
-      <p:pic>
-        <p:nvPicPr>
-          <p:cNvPr id="2050" name="Picture 2"/>
-          <p:cNvPicPr>
-            <a:picLocks noChangeAspect="1" noChangeArrowheads="1"/>
-          </p:cNvPicPr>
-          <p:nvPr/>
-        </p:nvPicPr>
-        <p:blipFill>
-          <a:blip r:embed="rId2">
-            <a:extLst>
-              <a:ext uri="{28A0092B-C50C-407E-A947-70E740481C1C}">
-                <a14:useLocalDpi xmlns:a14="http://schemas.microsoft.com/office/drawing/2010/main" val="0"/>
-              </a:ext>
-            </a:extLst>
-          </a:blip>
-          <a:srcRect/>
-          <a:stretch>
-            <a:fillRect/>
-          </a:stretch>
-        </p:blipFill>
-        <p:spPr bwMode="auto">
-          <a:xfrm>
-            <a:off x="1909763" y="1433513"/>
-            <a:ext cx="5324475" cy="3990975"/>
-          </a:xfrm>
-          <a:prstGeom prst="rect">
-            <a:avLst/>
-          </a:prstGeom>
-          <a:noFill/>
-          <a:ln>
-            <a:noFill/>
-          </a:ln>
-          <a:effectLst/>
-          <a:extLst>
-            <a:ext uri="{909E8E84-426E-40DD-AFC4-6F175D3DCCD1}">
-              <a14:hiddenFill xmlns:a14="http://schemas.microsoft.com/office/drawing/2010/main">
-                <a:solidFill>
-                  <a:schemeClr val="accent1"/>
-                </a:solidFill>
-              </a14:hiddenFill>
-            </a:ext>
-            <a:ext uri="{91240B29-F687-4F45-9708-019B960494DF}">
-              <a14:hiddenLine xmlns:a14="http://schemas.microsoft.com/office/drawing/2010/main" w="9525">
-                <a:solidFill>
-                  <a:schemeClr val="tx1"/>
-                </a:solidFill>
-                <a:miter lim="800000"/>
-                <a:headEnd/>
-                <a:tailEnd/>
-              </a14:hiddenLine>
-            </a:ext>
-            <a:ext uri="{AF507438-7753-43E0-B8FC-AC1667EBCBE1}">
-              <a14:hiddenEffects xmlns:a14="http://schemas.microsoft.com/office/drawing/2010/main">
-                <a:effectLst>
-                  <a:outerShdw dist="35921" dir="2700000" algn="ctr" rotWithShape="0">
-                    <a:schemeClr val="bg2"/>
-                  </a:outerShdw>
-                </a:effectLst>
-              </a14:hiddenEffects>
-            </a:ext>
-          </a:extLst>
-        </p:spPr>
-      </p:pic>
-      <p:sp>
-        <p:nvSpPr>
-          <p:cNvPr id="5" name="이등변 삼각형 4"/>
-          <p:cNvSpPr/>
-          <p:nvPr/>
-        </p:nvSpPr>
-        <p:spPr>
-          <a:xfrm rot="20564983">
-            <a:off x="3589488" y="3662308"/>
-            <a:ext cx="150095" cy="125586"/>
-          </a:xfrm>
-          <a:prstGeom prst="triangle">
-            <a:avLst/>
-          </a:prstGeom>
-          <a:solidFill>
-            <a:srgbClr val="0000FF"/>
-          </a:solidFill>
-          <a:ln>
-            <a:noFill/>
-          </a:ln>
-        </p:spPr>
-        <p:style>
-          <a:lnRef idx="2">
-            <a:schemeClr val="accent1">
-              <a:shade val="50000"/>
-            </a:schemeClr>
-          </a:lnRef>
-          <a:fillRef idx="1">
-            <a:schemeClr val="accent1"/>
-          </a:fillRef>
-          <a:effectRef idx="0">
-            <a:schemeClr val="accent1"/>
-          </a:effectRef>
-          <a:fontRef idx="minor">
-            <a:schemeClr val="lt1"/>
-          </a:fontRef>
-        </p:style>
-        <p:txBody>
-          <a:bodyPr rtlCol="0" anchor="ctr"/>
-          <a:lstStyle/>
-          <a:p>
-            <a:pPr algn="ctr"/>
-            <a:endParaRPr lang="ko-KR" altLang="en-US"/>
-          </a:p>
-        </p:txBody>
-      </p:sp>
-      <p:sp>
-        <p:nvSpPr>
-          <p:cNvPr id="7" name="이등변 삼각형 6"/>
-          <p:cNvSpPr/>
-          <p:nvPr/>
-        </p:nvSpPr>
-        <p:spPr>
-          <a:xfrm rot="11461033">
-            <a:off x="4797487" y="3309459"/>
-            <a:ext cx="150095" cy="125586"/>
-          </a:xfrm>
-          <a:prstGeom prst="triangle">
-            <a:avLst/>
-          </a:prstGeom>
-          <a:solidFill>
-            <a:srgbClr val="0000FF"/>
-          </a:solidFill>
-          <a:ln>
-            <a:noFill/>
-          </a:ln>
-        </p:spPr>
-        <p:style>
-          <a:lnRef idx="2">
-            <a:schemeClr val="accent1">
-              <a:shade val="50000"/>
-            </a:schemeClr>
-          </a:lnRef>
-          <a:fillRef idx="1">
-            <a:schemeClr val="accent1"/>
-          </a:fillRef>
-          <a:effectRef idx="0">
-            <a:schemeClr val="accent1"/>
-          </a:effectRef>
-          <a:fontRef idx="minor">
-            <a:schemeClr val="lt1"/>
-          </a:fontRef>
-        </p:style>
-        <p:txBody>
-          <a:bodyPr rtlCol="0" anchor="ctr"/>
-          <a:lstStyle/>
-          <a:p>
-            <a:pPr algn="ctr"/>
-            <a:endParaRPr lang="ko-KR" altLang="en-US"/>
-          </a:p>
-        </p:txBody>
-      </p:sp>
-      <p:sp>
-        <p:nvSpPr>
-          <p:cNvPr id="8" name="타원 7"/>
-          <p:cNvSpPr/>
-          <p:nvPr/>
-        </p:nvSpPr>
-        <p:spPr>
-          <a:xfrm rot="8460608">
-            <a:off x="5707861" y="2224055"/>
-            <a:ext cx="112768" cy="110812"/>
-          </a:xfrm>
-          <a:prstGeom prst="ellipse">
-            <a:avLst/>
-          </a:prstGeom>
-          <a:solidFill>
-            <a:srgbClr val="0000FF"/>
-          </a:solidFill>
-          <a:ln>
-            <a:noFill/>
-          </a:ln>
-        </p:spPr>
-        <p:style>
-          <a:lnRef idx="2">
-            <a:schemeClr val="accent1">
-              <a:shade val="50000"/>
-            </a:schemeClr>
-          </a:lnRef>
-          <a:fillRef idx="1">
-            <a:schemeClr val="accent1"/>
-          </a:fillRef>
-          <a:effectRef idx="0">
-            <a:schemeClr val="accent1"/>
-          </a:effectRef>
-          <a:fontRef idx="minor">
-            <a:schemeClr val="lt1"/>
-          </a:fontRef>
-        </p:style>
-        <p:txBody>
-          <a:bodyPr rtlCol="0" anchor="ctr"/>
-          <a:lstStyle/>
-          <a:p>
-            <a:pPr algn="ctr"/>
-            <a:endParaRPr lang="ko-KR" altLang="en-US"/>
-          </a:p>
-        </p:txBody>
-      </p:sp>
-    </p:spTree>
-    <p:extLst>
-      <p:ext uri="{BB962C8B-B14F-4D97-AF65-F5344CB8AC3E}">
-        <p14:creationId xmlns:p14="http://schemas.microsoft.com/office/powerpoint/2010/main" val="966273260"/>
-      </p:ext>
-    </p:extLst>
-  </p:cSld>
-  <p:clrMapOvr>
-    <a:masterClrMapping/>
-  </p:clrMapOvr>
-</p:sld>
-</file>
-
-<file path=ppt/slides/slide3.xml><?xml version="1.0" encoding="utf-8"?>
-<p:sld xmlns:a="http://schemas.openxmlformats.org/drawingml/2006/main" xmlns:r="http://schemas.openxmlformats.org/officeDocument/2006/relationships" xmlns:p="http://schemas.openxmlformats.org/presentationml/2006/main">
-  <p:cSld>
-    <p:spTree>
-      <p:nvGrpSpPr>
-        <p:cNvPr id="1" name=""/>
-        <p:cNvGrpSpPr/>
-        <p:nvPr/>
-      </p:nvGrpSpPr>
-      <p:grpSpPr>
-        <a:xfrm>
-          <a:off x="0" y="0"/>
-          <a:ext cx="0" cy="0"/>
-          <a:chOff x="0" y="0"/>
-          <a:chExt cx="0" cy="0"/>
-        </a:xfrm>
-      </p:grpSpPr>
-      <p:pic>
-        <p:nvPicPr>
-          <p:cNvPr id="3074" name="Picture 2"/>
-          <p:cNvPicPr>
-            <a:picLocks noChangeAspect="1" noChangeArrowheads="1"/>
-          </p:cNvPicPr>
-          <p:nvPr/>
-        </p:nvPicPr>
-        <p:blipFill>
-          <a:blip r:embed="rId2">
-            <a:extLst>
-              <a:ext uri="{28A0092B-C50C-407E-A947-70E740481C1C}">
-                <a14:useLocalDpi xmlns:a14="http://schemas.microsoft.com/office/drawing/2010/main" val="0"/>
-              </a:ext>
-            </a:extLst>
-          </a:blip>
-          <a:srcRect/>
-          <a:stretch>
-            <a:fillRect/>
-          </a:stretch>
-        </p:blipFill>
-        <p:spPr bwMode="auto">
-          <a:xfrm>
-            <a:off x="1909763" y="1433513"/>
-            <a:ext cx="5324475" cy="3990975"/>
-          </a:xfrm>
-          <a:prstGeom prst="rect">
-            <a:avLst/>
-          </a:prstGeom>
-          <a:noFill/>
-          <a:ln>
-            <a:noFill/>
-          </a:ln>
-          <a:effectLst/>
-          <a:extLst>
-            <a:ext uri="{909E8E84-426E-40DD-AFC4-6F175D3DCCD1}">
-              <a14:hiddenFill xmlns:a14="http://schemas.microsoft.com/office/drawing/2010/main">
-                <a:solidFill>
-                  <a:schemeClr val="accent1"/>
-                </a:solidFill>
-              </a14:hiddenFill>
-            </a:ext>
-            <a:ext uri="{91240B29-F687-4F45-9708-019B960494DF}">
-              <a14:hiddenLine xmlns:a14="http://schemas.microsoft.com/office/drawing/2010/main" w="9525">
-                <a:solidFill>
-                  <a:schemeClr val="tx1"/>
-                </a:solidFill>
-                <a:miter lim="800000"/>
-                <a:headEnd/>
-                <a:tailEnd/>
-              </a14:hiddenLine>
-            </a:ext>
-            <a:ext uri="{AF507438-7753-43E0-B8FC-AC1667EBCBE1}">
-              <a14:hiddenEffects xmlns:a14="http://schemas.microsoft.com/office/drawing/2010/main">
-                <a:effectLst>
-                  <a:outerShdw dist="35921" dir="2700000" algn="ctr" rotWithShape="0">
-                    <a:schemeClr val="bg2"/>
-                  </a:outerShdw>
-                </a:effectLst>
-              </a14:hiddenEffects>
-            </a:ext>
-          </a:extLst>
-        </p:spPr>
-      </p:pic>
-      <p:sp>
-        <p:nvSpPr>
-          <p:cNvPr id="4" name="이등변 삼각형 3"/>
-          <p:cNvSpPr/>
-          <p:nvPr/>
-        </p:nvSpPr>
-        <p:spPr>
-          <a:xfrm rot="20126431">
-            <a:off x="3096394" y="3479073"/>
-            <a:ext cx="150095" cy="125586"/>
-          </a:xfrm>
-          <a:prstGeom prst="triangle">
-            <a:avLst/>
-          </a:prstGeom>
-          <a:solidFill>
-            <a:srgbClr val="0000FF"/>
-          </a:solidFill>
-          <a:ln>
-            <a:noFill/>
-          </a:ln>
-        </p:spPr>
-        <p:style>
-          <a:lnRef idx="2">
-            <a:schemeClr val="accent1">
-              <a:shade val="50000"/>
-            </a:schemeClr>
-          </a:lnRef>
-          <a:fillRef idx="1">
-            <a:schemeClr val="accent1"/>
-          </a:fillRef>
-          <a:effectRef idx="0">
-            <a:schemeClr val="accent1"/>
-          </a:effectRef>
-          <a:fontRef idx="minor">
-            <a:schemeClr val="lt1"/>
-          </a:fontRef>
-        </p:style>
-        <p:txBody>
-          <a:bodyPr rtlCol="0" anchor="ctr"/>
-          <a:lstStyle/>
-          <a:p>
-            <a:pPr algn="ctr"/>
-            <a:endParaRPr lang="ko-KR" altLang="en-US"/>
-          </a:p>
-        </p:txBody>
-      </p:sp>
-      <p:sp>
-        <p:nvSpPr>
-          <p:cNvPr id="6" name="이등변 삼각형 5"/>
-          <p:cNvSpPr/>
-          <p:nvPr/>
-        </p:nvSpPr>
-        <p:spPr>
-          <a:xfrm rot="9900000">
-            <a:off x="5167373" y="3166480"/>
-            <a:ext cx="150095" cy="125586"/>
-          </a:xfrm>
-          <a:prstGeom prst="triangle">
-            <a:avLst/>
-          </a:prstGeom>
-          <a:solidFill>
-            <a:srgbClr val="0000FF"/>
-          </a:solidFill>
-          <a:ln>
-            <a:noFill/>
-          </a:ln>
-        </p:spPr>
-        <p:style>
-          <a:lnRef idx="2">
-            <a:schemeClr val="accent1">
-              <a:shade val="50000"/>
-            </a:schemeClr>
-          </a:lnRef>
-          <a:fillRef idx="1">
-            <a:schemeClr val="accent1"/>
-          </a:fillRef>
-          <a:effectRef idx="0">
-            <a:schemeClr val="accent1"/>
-          </a:effectRef>
-          <a:fontRef idx="minor">
-            <a:schemeClr val="lt1"/>
-          </a:fontRef>
-        </p:style>
-        <p:txBody>
-          <a:bodyPr rtlCol="0" anchor="ctr"/>
-          <a:lstStyle/>
-          <a:p>
-            <a:pPr algn="ctr"/>
-            <a:endParaRPr lang="ko-KR" altLang="en-US"/>
-          </a:p>
-        </p:txBody>
-      </p:sp>
-      <p:sp>
-        <p:nvSpPr>
-          <p:cNvPr id="7" name="이등변 삼각형 6"/>
-          <p:cNvSpPr/>
-          <p:nvPr/>
-        </p:nvSpPr>
-        <p:spPr>
-          <a:xfrm rot="9900000">
-            <a:off x="4081639" y="2582188"/>
-            <a:ext cx="150095" cy="125586"/>
-          </a:xfrm>
-          <a:prstGeom prst="triangle">
-            <a:avLst/>
-          </a:prstGeom>
-          <a:solidFill>
-            <a:srgbClr val="0000FF"/>
-          </a:solidFill>
-          <a:ln>
-            <a:noFill/>
-          </a:ln>
-        </p:spPr>
-        <p:style>
-          <a:lnRef idx="2">
-            <a:schemeClr val="accent1">
-              <a:shade val="50000"/>
-            </a:schemeClr>
-          </a:lnRef>
-          <a:fillRef idx="1">
-            <a:schemeClr val="accent1"/>
-          </a:fillRef>
-          <a:effectRef idx="0">
-            <a:schemeClr val="accent1"/>
-          </a:effectRef>
-          <a:fontRef idx="minor">
-            <a:schemeClr val="lt1"/>
-          </a:fontRef>
-        </p:style>
-        <p:txBody>
-          <a:bodyPr rtlCol="0" anchor="ctr"/>
-          <a:lstStyle/>
-          <a:p>
-            <a:pPr algn="ctr"/>
-            <a:endParaRPr lang="ko-KR" altLang="en-US"/>
-          </a:p>
-        </p:txBody>
-      </p:sp>
-      <p:sp>
-        <p:nvSpPr>
-          <p:cNvPr id="8" name="이등변 삼각형 7"/>
-          <p:cNvSpPr/>
-          <p:nvPr/>
-        </p:nvSpPr>
-        <p:spPr>
-          <a:xfrm rot="12387536">
-            <a:off x="4214138" y="3470846"/>
-            <a:ext cx="150095" cy="125586"/>
-          </a:xfrm>
-          <a:prstGeom prst="triangle">
-            <a:avLst/>
-          </a:prstGeom>
-          <a:solidFill>
-            <a:srgbClr val="0000FF"/>
-          </a:solidFill>
-          <a:ln>
-            <a:noFill/>
-          </a:ln>
-        </p:spPr>
-        <p:style>
-          <a:lnRef idx="2">
-            <a:schemeClr val="accent1">
-              <a:shade val="50000"/>
-            </a:schemeClr>
-          </a:lnRef>
-          <a:fillRef idx="1">
-            <a:schemeClr val="accent1"/>
-          </a:fillRef>
-          <a:effectRef idx="0">
-            <a:schemeClr val="accent1"/>
-          </a:effectRef>
-          <a:fontRef idx="minor">
-            <a:schemeClr val="lt1"/>
-          </a:fontRef>
-        </p:style>
-        <p:txBody>
-          <a:bodyPr rtlCol="0" anchor="ctr"/>
-          <a:lstStyle/>
-          <a:p>
-            <a:pPr algn="ctr"/>
-            <a:endParaRPr lang="ko-KR" altLang="en-US"/>
-          </a:p>
-        </p:txBody>
-      </p:sp>
-      <p:sp>
-        <p:nvSpPr>
-          <p:cNvPr id="9" name="타원 8"/>
-          <p:cNvSpPr/>
-          <p:nvPr/>
-        </p:nvSpPr>
-        <p:spPr>
-          <a:xfrm rot="5553043">
-            <a:off x="4671780" y="3039434"/>
-            <a:ext cx="102516" cy="103790"/>
-          </a:xfrm>
-          <a:prstGeom prst="ellipse">
-            <a:avLst/>
-          </a:prstGeom>
-          <a:solidFill>
-            <a:srgbClr val="0000FF"/>
-          </a:solidFill>
-          <a:ln>
-            <a:noFill/>
-          </a:ln>
-        </p:spPr>
-        <p:style>
-          <a:lnRef idx="2">
-            <a:schemeClr val="accent1">
-              <a:shade val="50000"/>
-            </a:schemeClr>
-          </a:lnRef>
-          <a:fillRef idx="1">
-            <a:schemeClr val="accent1"/>
-          </a:fillRef>
-          <a:effectRef idx="0">
-            <a:schemeClr val="accent1"/>
-          </a:effectRef>
-          <a:fontRef idx="minor">
-            <a:schemeClr val="lt1"/>
-          </a:fontRef>
-        </p:style>
-        <p:txBody>
-          <a:bodyPr rtlCol="0" anchor="ctr"/>
-          <a:lstStyle/>
-          <a:p>
-            <a:pPr algn="ctr"/>
-            <a:endParaRPr lang="ko-KR" altLang="en-US"/>
-          </a:p>
-        </p:txBody>
-      </p:sp>
-    </p:spTree>
-    <p:extLst>
-      <p:ext uri="{BB962C8B-B14F-4D97-AF65-F5344CB8AC3E}">
-        <p14:creationId xmlns:p14="http://schemas.microsoft.com/office/powerpoint/2010/main" val="2516744212"/>
-      </p:ext>
-    </p:extLst>
-  </p:cSld>
-  <p:clrMapOvr>
-    <a:masterClrMapping/>
-  </p:clrMapOvr>
-</p:sld>
-</file>
-
-<file path=ppt/slides/slide4.xml><?xml version="1.0" encoding="utf-8"?>
-<p:sld xmlns:a="http://schemas.openxmlformats.org/drawingml/2006/main" xmlns:r="http://schemas.openxmlformats.org/officeDocument/2006/relationships" xmlns:p="http://schemas.openxmlformats.org/presentationml/2006/main">
-  <p:cSld>
-    <p:spTree>
-      <p:nvGrpSpPr>
-        <p:cNvPr id="1" name=""/>
-        <p:cNvGrpSpPr/>
-        <p:nvPr/>
-      </p:nvGrpSpPr>
-      <p:grpSpPr>
-        <a:xfrm>
-          <a:off x="0" y="0"/>
-          <a:ext cx="0" cy="0"/>
-          <a:chOff x="0" y="0"/>
-          <a:chExt cx="0" cy="0"/>
-        </a:xfrm>
-      </p:grpSpPr>
-      <p:pic>
-        <p:nvPicPr>
-          <p:cNvPr id="1026" name="Picture 2"/>
-          <p:cNvPicPr>
-            <a:picLocks noChangeAspect="1" noChangeArrowheads="1"/>
-          </p:cNvPicPr>
-          <p:nvPr/>
-        </p:nvPicPr>
-        <p:blipFill>
-          <a:blip r:embed="rId2">
-            <a:extLst>
-              <a:ext uri="{28A0092B-C50C-407E-A947-70E740481C1C}">
-                <a14:useLocalDpi xmlns:a14="http://schemas.microsoft.com/office/drawing/2010/main" val="0"/>
-              </a:ext>
-            </a:extLst>
-          </a:blip>
-          <a:srcRect/>
-          <a:stretch>
-            <a:fillRect/>
-          </a:stretch>
-        </p:blipFill>
-        <p:spPr bwMode="auto">
-          <a:xfrm>
-            <a:off x="1909762" y="1433512"/>
-            <a:ext cx="5324475" cy="3990975"/>
-          </a:xfrm>
-          <a:prstGeom prst="rect">
-            <a:avLst/>
-          </a:prstGeom>
-          <a:noFill/>
-          <a:ln>
-            <a:noFill/>
-          </a:ln>
-          <a:effectLst/>
-          <a:extLst>
-            <a:ext uri="{909E8E84-426E-40DD-AFC4-6F175D3DCCD1}">
-              <a14:hiddenFill xmlns:a14="http://schemas.microsoft.com/office/drawing/2010/main">
-                <a:solidFill>
-                  <a:schemeClr val="accent1"/>
-                </a:solidFill>
-              </a14:hiddenFill>
-            </a:ext>
-            <a:ext uri="{91240B29-F687-4F45-9708-019B960494DF}">
-              <a14:hiddenLine xmlns:a14="http://schemas.microsoft.com/office/drawing/2010/main" w="9525">
-                <a:solidFill>
-                  <a:schemeClr val="tx1"/>
-                </a:solidFill>
-                <a:miter lim="800000"/>
-                <a:headEnd/>
-                <a:tailEnd/>
-              </a14:hiddenLine>
-            </a:ext>
-            <a:ext uri="{AF507438-7753-43E0-B8FC-AC1667EBCBE1}">
-              <a14:hiddenEffects xmlns:a14="http://schemas.microsoft.com/office/drawing/2010/main">
-                <a:effectLst>
-                  <a:outerShdw dist="35921" dir="2700000" algn="ctr" rotWithShape="0">
-                    <a:schemeClr val="bg2"/>
-                  </a:outerShdw>
-                </a:effectLst>
-              </a14:hiddenEffects>
-            </a:ext>
-          </a:extLst>
-        </p:spPr>
-      </p:pic>
-      <p:sp>
-        <p:nvSpPr>
-          <p:cNvPr id="6" name="이등변 삼각형 5"/>
-          <p:cNvSpPr/>
-          <p:nvPr/>
-        </p:nvSpPr>
-        <p:spPr>
-          <a:xfrm rot="7838624">
-            <a:off x="6182419" y="3707196"/>
-            <a:ext cx="150095" cy="125586"/>
-          </a:xfrm>
-          <a:prstGeom prst="triangle">
-            <a:avLst/>
-          </a:prstGeom>
-          <a:solidFill>
-            <a:srgbClr val="0000FF"/>
-          </a:solidFill>
-          <a:ln>
-            <a:noFill/>
-          </a:ln>
-        </p:spPr>
-        <p:style>
-          <a:lnRef idx="2">
-            <a:schemeClr val="accent1">
-              <a:shade val="50000"/>
-            </a:schemeClr>
-          </a:lnRef>
-          <a:fillRef idx="1">
-            <a:schemeClr val="accent1"/>
-          </a:fillRef>
-          <a:effectRef idx="0">
-            <a:schemeClr val="accent1"/>
-          </a:effectRef>
-          <a:fontRef idx="minor">
-            <a:schemeClr val="lt1"/>
-          </a:fontRef>
-        </p:style>
-        <p:txBody>
-          <a:bodyPr rtlCol="0" anchor="ctr"/>
-          <a:lstStyle/>
-          <a:p>
-            <a:pPr algn="ctr"/>
-            <a:endParaRPr lang="ko-KR" altLang="en-US"/>
-          </a:p>
-        </p:txBody>
-      </p:sp>
-      <p:sp>
-        <p:nvSpPr>
-          <p:cNvPr id="7" name="이등변 삼각형 6"/>
-          <p:cNvSpPr/>
-          <p:nvPr/>
-        </p:nvSpPr>
-        <p:spPr>
-          <a:xfrm rot="12036246">
-            <a:off x="4453388" y="4878431"/>
-            <a:ext cx="150095" cy="125586"/>
-          </a:xfrm>
-          <a:prstGeom prst="triangle">
-            <a:avLst/>
-          </a:prstGeom>
-          <a:solidFill>
-            <a:srgbClr val="0000FF"/>
-          </a:solidFill>
-          <a:ln>
-            <a:noFill/>
-          </a:ln>
-        </p:spPr>
-        <p:style>
-          <a:lnRef idx="2">
-            <a:schemeClr val="accent1">
-              <a:shade val="50000"/>
-            </a:schemeClr>
-          </a:lnRef>
-          <a:fillRef idx="1">
-            <a:schemeClr val="accent1"/>
-          </a:fillRef>
-          <a:effectRef idx="0">
-            <a:schemeClr val="accent1"/>
-          </a:effectRef>
-          <a:fontRef idx="minor">
-            <a:schemeClr val="lt1"/>
-          </a:fontRef>
-        </p:style>
-        <p:txBody>
-          <a:bodyPr rtlCol="0" anchor="ctr"/>
-          <a:lstStyle/>
-          <a:p>
-            <a:pPr algn="ctr"/>
-            <a:endParaRPr lang="ko-KR" altLang="en-US"/>
-          </a:p>
-        </p:txBody>
-      </p:sp>
-      <p:sp>
-        <p:nvSpPr>
-          <p:cNvPr id="9" name="이등변 삼각형 8"/>
-          <p:cNvSpPr/>
-          <p:nvPr/>
-        </p:nvSpPr>
-        <p:spPr>
-          <a:xfrm rot="922396">
-            <a:off x="4729777" y="1727983"/>
-            <a:ext cx="150095" cy="125586"/>
-          </a:xfrm>
-          <a:prstGeom prst="triangle">
-            <a:avLst/>
-          </a:prstGeom>
-          <a:solidFill>
-            <a:srgbClr val="0000FF"/>
-          </a:solidFill>
-          <a:ln>
-            <a:noFill/>
-          </a:ln>
-        </p:spPr>
-        <p:style>
-          <a:lnRef idx="2">
-            <a:schemeClr val="accent1">
-              <a:shade val="50000"/>
-            </a:schemeClr>
-          </a:lnRef>
-          <a:fillRef idx="1">
-            <a:schemeClr val="accent1"/>
-          </a:fillRef>
-          <a:effectRef idx="0">
-            <a:schemeClr val="accent1"/>
-          </a:effectRef>
-          <a:fontRef idx="minor">
-            <a:schemeClr val="lt1"/>
-          </a:fontRef>
-        </p:style>
-        <p:txBody>
-          <a:bodyPr rtlCol="0" anchor="ctr"/>
-          <a:lstStyle/>
-          <a:p>
-            <a:pPr algn="ctr"/>
-            <a:endParaRPr lang="ko-KR" altLang="en-US"/>
-          </a:p>
-        </p:txBody>
-      </p:sp>
-      <p:sp>
-        <p:nvSpPr>
-          <p:cNvPr id="11" name="이등변 삼각형 10"/>
-          <p:cNvSpPr/>
-          <p:nvPr/>
-        </p:nvSpPr>
-        <p:spPr>
-          <a:xfrm rot="18996630">
-            <a:off x="2998507" y="2894040"/>
-            <a:ext cx="150095" cy="125586"/>
-          </a:xfrm>
-          <a:prstGeom prst="triangle">
-            <a:avLst/>
-          </a:prstGeom>
-          <a:solidFill>
-            <a:srgbClr val="0000FF"/>
-          </a:solidFill>
-          <a:ln>
-            <a:noFill/>
-          </a:ln>
-        </p:spPr>
-        <p:style>
-          <a:lnRef idx="2">
-            <a:schemeClr val="accent1">
-              <a:shade val="50000"/>
-            </a:schemeClr>
-          </a:lnRef>
-          <a:fillRef idx="1">
-            <a:schemeClr val="accent1"/>
-          </a:fillRef>
-          <a:effectRef idx="0">
-            <a:schemeClr val="accent1"/>
-          </a:effectRef>
-          <a:fontRef idx="minor">
-            <a:schemeClr val="lt1"/>
-          </a:fontRef>
-        </p:style>
-        <p:txBody>
-          <a:bodyPr rtlCol="0" anchor="ctr"/>
-          <a:lstStyle/>
-          <a:p>
-            <a:pPr algn="ctr"/>
-            <a:endParaRPr lang="ko-KR" altLang="en-US"/>
-          </a:p>
-        </p:txBody>
-      </p:sp>
-    </p:spTree>
-    <p:extLst>
-      <p:ext uri="{BB962C8B-B14F-4D97-AF65-F5344CB8AC3E}">
-        <p14:creationId xmlns:p14="http://schemas.microsoft.com/office/powerpoint/2010/main" val="2955270351"/>
-      </p:ext>
-    </p:extLst>
-  </p:cSld>
-  <p:clrMapOvr>
-    <a:masterClrMapping/>
-  </p:clrMapOvr>
-</p:sld>
-</file>
-
-<file path=ppt/slides/slide5.xml><?xml version="1.0" encoding="utf-8"?>
-<p:sld xmlns:a="http://schemas.openxmlformats.org/drawingml/2006/main" xmlns:r="http://schemas.openxmlformats.org/officeDocument/2006/relationships" xmlns:p="http://schemas.openxmlformats.org/presentationml/2006/main">
-  <p:cSld>
-    <p:spTree>
-      <p:nvGrpSpPr>
-        <p:cNvPr id="1" name=""/>
-        <p:cNvGrpSpPr/>
-        <p:nvPr/>
-      </p:nvGrpSpPr>
-      <p:grpSpPr>
-        <a:xfrm>
-          <a:off x="0" y="0"/>
-          <a:ext cx="0" cy="0"/>
-          <a:chOff x="0" y="0"/>
-          <a:chExt cx="0" cy="0"/>
-        </a:xfrm>
-      </p:grpSpPr>
-      <p:pic>
-        <p:nvPicPr>
-          <p:cNvPr id="1026" name="Picture 2"/>
-          <p:cNvPicPr>
-            <a:picLocks noChangeAspect="1" noChangeArrowheads="1"/>
-          </p:cNvPicPr>
-          <p:nvPr/>
-        </p:nvPicPr>
-        <p:blipFill>
-          <a:blip r:embed="rId2">
-            <a:extLst>
-              <a:ext uri="{28A0092B-C50C-407E-A947-70E740481C1C}">
-                <a14:useLocalDpi xmlns:a14="http://schemas.microsoft.com/office/drawing/2010/main" val="0"/>
-              </a:ext>
-            </a:extLst>
-          </a:blip>
-          <a:srcRect/>
-          <a:stretch>
-            <a:fillRect/>
-          </a:stretch>
-        </p:blipFill>
-        <p:spPr bwMode="auto">
-          <a:xfrm>
-            <a:off x="1233488" y="338138"/>
-            <a:ext cx="6677025" cy="6181725"/>
-          </a:xfrm>
-          <a:prstGeom prst="rect">
-            <a:avLst/>
-          </a:prstGeom>
-          <a:noFill/>
-          <a:ln>
-            <a:noFill/>
-          </a:ln>
-          <a:effectLst/>
-          <a:extLst>
-            <a:ext uri="{909E8E84-426E-40DD-AFC4-6F175D3DCCD1}">
-              <a14:hiddenFill xmlns:a14="http://schemas.microsoft.com/office/drawing/2010/main">
-                <a:solidFill>
-                  <a:schemeClr val="accent1"/>
-                </a:solidFill>
-              </a14:hiddenFill>
-            </a:ext>
-            <a:ext uri="{91240B29-F687-4F45-9708-019B960494DF}">
-              <a14:hiddenLine xmlns:a14="http://schemas.microsoft.com/office/drawing/2010/main" w="9525">
-                <a:solidFill>
-                  <a:schemeClr val="tx1"/>
-                </a:solidFill>
-                <a:miter lim="800000"/>
-                <a:headEnd/>
-                <a:tailEnd/>
-              </a14:hiddenLine>
-            </a:ext>
-            <a:ext uri="{AF507438-7753-43E0-B8FC-AC1667EBCBE1}">
-              <a14:hiddenEffects xmlns:a14="http://schemas.microsoft.com/office/drawing/2010/main">
-                <a:effectLst>
-                  <a:outerShdw dist="35921" dir="2700000" algn="ctr" rotWithShape="0">
-                    <a:schemeClr val="bg2"/>
-                  </a:outerShdw>
-                </a:effectLst>
-              </a14:hiddenEffects>
-            </a:ext>
-          </a:extLst>
-        </p:spPr>
-      </p:pic>
-      <mc:AlternateContent xmlns:mc="http://schemas.openxmlformats.org/markup-compatibility/2006">
-        <mc:Choice xmlns:a14="http://schemas.microsoft.com/office/drawing/2010/main" Requires="a14">
-          <p:sp>
-            <p:nvSpPr>
-              <p:cNvPr id="4" name="TextBox 3"/>
-              <p:cNvSpPr txBox="1"/>
-              <p:nvPr/>
-            </p:nvSpPr>
-            <p:spPr>
-              <a:xfrm>
-                <a:off x="6725269" y="836712"/>
-                <a:ext cx="1172051" cy="610936"/>
-              </a:xfrm>
-              <a:prstGeom prst="rect">
-                <a:avLst/>
-              </a:prstGeom>
-              <a:noFill/>
-            </p:spPr>
-            <p:txBody>
-              <a:bodyPr wrap="none" rtlCol="0">
-                <a:spAutoFit/>
-              </a:bodyPr>
-              <a:lstStyle/>
-              <a:p>
-                <a14:m>
-                  <m:oMathPara xmlns:m="http://schemas.openxmlformats.org/officeDocument/2006/math">
-                    <m:oMathParaPr>
-                      <m:jc m:val="centerGroup"/>
-                    </m:oMathParaPr>
-                    <m:oMath xmlns:m="http://schemas.openxmlformats.org/officeDocument/2006/math">
-                      <m:r>
-                        <a:rPr lang="en-US" altLang="ko-KR" b="0" i="1" smtClean="0">
-                          <a:solidFill>
-                            <a:srgbClr val="0072BD"/>
-                          </a:solidFill>
-                          <a:latin typeface="Cambria Math"/>
-                        </a:rPr>
-                        <m:t>𝐷</m:t>
-                      </m:r>
-                      <m:r>
-                        <a:rPr lang="en-US" altLang="ko-KR" b="0" i="1" smtClean="0">
-                          <a:solidFill>
-                            <a:srgbClr val="0072BD"/>
-                          </a:solidFill>
-                          <a:latin typeface="Cambria Math"/>
-                        </a:rPr>
-                        <m:t>=</m:t>
-                      </m:r>
-                      <m:f>
-                        <m:fPr>
-                          <m:ctrlPr>
-                            <a:rPr lang="en-US" altLang="ko-KR" i="1" smtClean="0">
-                              <a:solidFill>
-                                <a:srgbClr val="0072BD"/>
-                              </a:solidFill>
-                              <a:latin typeface="Cambria Math"/>
-                            </a:rPr>
-                          </m:ctrlPr>
-                        </m:fPr>
-                        <m:num>
-                          <m:r>
-                            <a:rPr lang="en-US" altLang="ko-KR" b="0" i="1" smtClean="0">
-                              <a:solidFill>
-                                <a:srgbClr val="0072BD"/>
-                              </a:solidFill>
-                              <a:latin typeface="Cambria Math"/>
-                            </a:rPr>
-                            <m:t>1</m:t>
-                          </m:r>
-                        </m:num>
-                        <m:den>
-                          <m:r>
-                            <a:rPr lang="en-US" altLang="ko-KR" b="0" i="1" smtClean="0">
-                              <a:solidFill>
-                                <a:srgbClr val="0072BD"/>
-                              </a:solidFill>
-                              <a:latin typeface="Cambria Math"/>
-                            </a:rPr>
-                            <m:t>4</m:t>
-                          </m:r>
-                        </m:den>
-                      </m:f>
-                      <m:sSup>
-                        <m:sSupPr>
-                          <m:ctrlPr>
-                            <a:rPr lang="en-US" altLang="ko-KR" i="1" smtClean="0">
-                              <a:solidFill>
-                                <a:srgbClr val="0072BD"/>
-                              </a:solidFill>
-                              <a:latin typeface="Cambria Math"/>
-                            </a:rPr>
-                          </m:ctrlPr>
-                        </m:sSupPr>
-                        <m:e>
-                          <m:r>
-                            <a:rPr lang="en-US" altLang="ko-KR" b="0" i="1" smtClean="0">
-                              <a:solidFill>
-                                <a:srgbClr val="0072BD"/>
-                              </a:solidFill>
-                              <a:latin typeface="Cambria Math"/>
-                            </a:rPr>
-                            <m:t>𝑇</m:t>
-                          </m:r>
-                        </m:e>
-                        <m:sup>
-                          <m:r>
-                            <a:rPr lang="en-US" altLang="ko-KR" b="0" i="1" smtClean="0">
-                              <a:solidFill>
-                                <a:srgbClr val="0072BD"/>
-                              </a:solidFill>
-                              <a:latin typeface="Cambria Math"/>
-                            </a:rPr>
-                            <m:t>2</m:t>
-                          </m:r>
-                        </m:sup>
-                      </m:sSup>
-                    </m:oMath>
-                  </m:oMathPara>
-                </a14:m>
-                <a:endParaRPr lang="ko-KR" altLang="en-US" dirty="0">
-                  <a:solidFill>
-                    <a:srgbClr val="0072BD"/>
-                  </a:solidFill>
-                </a:endParaRPr>
-              </a:p>
-            </p:txBody>
-          </p:sp>
-        </mc:Choice>
-        <mc:Fallback>
-          <p:sp>
-            <p:nvSpPr>
-              <p:cNvPr id="4" name="TextBox 3"/>
-              <p:cNvSpPr txBox="1">
-                <a:spLocks noRot="1" noChangeAspect="1" noMove="1" noResize="1" noEditPoints="1" noAdjustHandles="1" noChangeArrowheads="1" noChangeShapeType="1" noTextEdit="1"/>
-              </p:cNvSpPr>
-              <p:nvPr/>
-            </p:nvSpPr>
-            <p:spPr>
-              <a:xfrm>
-                <a:off x="6725269" y="836712"/>
-                <a:ext cx="1172051" cy="610936"/>
-              </a:xfrm>
-              <a:prstGeom prst="rect">
-                <a:avLst/>
-              </a:prstGeom>
-              <a:blipFill rotWithShape="1">
-                <a:blip r:embed="rId3"/>
-                <a:stretch>
-                  <a:fillRect/>
-                </a:stretch>
-              </a:blipFill>
-            </p:spPr>
-            <p:txBody>
-              <a:bodyPr/>
-              <a:lstStyle/>
-              <a:p>
-                <a:r>
-                  <a:rPr lang="ko-KR" altLang="en-US">
-                    <a:noFill/>
-                  </a:rPr>
-                  <a:t> </a:t>
-                </a:r>
-              </a:p>
-            </p:txBody>
-          </p:sp>
-        </mc:Fallback>
-      </mc:AlternateContent>
-    </p:spTree>
-    <p:extLst>
-      <p:ext uri="{BB962C8B-B14F-4D97-AF65-F5344CB8AC3E}">
-        <p14:creationId xmlns:p14="http://schemas.microsoft.com/office/powerpoint/2010/main" val="2830069239"/>
-      </p:ext>
-    </p:extLst>
-  </p:cSld>
-  <p:clrMapOvr>
-    <a:masterClrMapping/>
-  </p:clrMapOvr>
-</p:sld>
 </file>
 
 <file path=ppt/theme/theme1.xml><?xml version="1.0" encoding="utf-8"?>

--- a/pics/2021-05-17-trace_determinant_plane/pics.pptx
+++ b/pics/2021-05-17-trace_determinant_plane/pics.pptx
@@ -4,6 +4,10 @@
   <p:sldMasterIdLst>
     <p:sldMasterId id="2147483648" r:id="rId1"/>
   </p:sldMasterIdLst>
+  <p:sldIdLst>
+    <p:sldId id="256" r:id="rId2"/>
+    <p:sldId id="257" r:id="rId3"/>
+  </p:sldIdLst>
   <p:sldSz cx="9144000" cy="6858000" type="screen4x3"/>
   <p:notesSz cx="6858000" cy="9144000"/>
   <p:defaultTextStyle>
@@ -285,7 +289,7 @@
           <a:p>
             <a:fld id="{FB30EDBD-1C2D-4C1E-B459-B60219FAB484}" type="datetimeFigureOut">
               <a:rPr lang="ko-KR" altLang="en-US" smtClean="0"/>
-              <a:t>2006-10-04</a:t>
+              <a:t>2021-06-17</a:t>
             </a:fld>
             <a:endParaRPr lang="ko-KR" altLang="en-US"/>
           </a:p>
@@ -450,7 +454,7 @@
           <a:p>
             <a:fld id="{FB30EDBD-1C2D-4C1E-B459-B60219FAB484}" type="datetimeFigureOut">
               <a:rPr lang="ko-KR" altLang="en-US" smtClean="0"/>
-              <a:t>2006-10-04</a:t>
+              <a:t>2021-06-17</a:t>
             </a:fld>
             <a:endParaRPr lang="ko-KR" altLang="en-US"/>
           </a:p>
@@ -625,7 +629,7 @@
           <a:p>
             <a:fld id="{FB30EDBD-1C2D-4C1E-B459-B60219FAB484}" type="datetimeFigureOut">
               <a:rPr lang="ko-KR" altLang="en-US" smtClean="0"/>
-              <a:t>2006-10-04</a:t>
+              <a:t>2021-06-17</a:t>
             </a:fld>
             <a:endParaRPr lang="ko-KR" altLang="en-US"/>
           </a:p>
@@ -790,7 +794,7 @@
           <a:p>
             <a:fld id="{FB30EDBD-1C2D-4C1E-B459-B60219FAB484}" type="datetimeFigureOut">
               <a:rPr lang="ko-KR" altLang="en-US" smtClean="0"/>
-              <a:t>2006-10-04</a:t>
+              <a:t>2021-06-17</a:t>
             </a:fld>
             <a:endParaRPr lang="ko-KR" altLang="en-US"/>
           </a:p>
@@ -1031,7 +1035,7 @@
           <a:p>
             <a:fld id="{FB30EDBD-1C2D-4C1E-B459-B60219FAB484}" type="datetimeFigureOut">
               <a:rPr lang="ko-KR" altLang="en-US" smtClean="0"/>
-              <a:t>2006-10-04</a:t>
+              <a:t>2021-06-17</a:t>
             </a:fld>
             <a:endParaRPr lang="ko-KR" altLang="en-US"/>
           </a:p>
@@ -1314,7 +1318,7 @@
           <a:p>
             <a:fld id="{FB30EDBD-1C2D-4C1E-B459-B60219FAB484}" type="datetimeFigureOut">
               <a:rPr lang="ko-KR" altLang="en-US" smtClean="0"/>
-              <a:t>2006-10-04</a:t>
+              <a:t>2021-06-17</a:t>
             </a:fld>
             <a:endParaRPr lang="ko-KR" altLang="en-US"/>
           </a:p>
@@ -1731,7 +1735,7 @@
           <a:p>
             <a:fld id="{FB30EDBD-1C2D-4C1E-B459-B60219FAB484}" type="datetimeFigureOut">
               <a:rPr lang="ko-KR" altLang="en-US" smtClean="0"/>
-              <a:t>2006-10-04</a:t>
+              <a:t>2021-06-17</a:t>
             </a:fld>
             <a:endParaRPr lang="ko-KR" altLang="en-US"/>
           </a:p>
@@ -1844,7 +1848,7 @@
           <a:p>
             <a:fld id="{FB30EDBD-1C2D-4C1E-B459-B60219FAB484}" type="datetimeFigureOut">
               <a:rPr lang="ko-KR" altLang="en-US" smtClean="0"/>
-              <a:t>2006-10-04</a:t>
+              <a:t>2021-06-17</a:t>
             </a:fld>
             <a:endParaRPr lang="ko-KR" altLang="en-US"/>
           </a:p>
@@ -1934,7 +1938,7 @@
           <a:p>
             <a:fld id="{FB30EDBD-1C2D-4C1E-B459-B60219FAB484}" type="datetimeFigureOut">
               <a:rPr lang="ko-KR" altLang="en-US" smtClean="0"/>
-              <a:t>2006-10-04</a:t>
+              <a:t>2021-06-17</a:t>
             </a:fld>
             <a:endParaRPr lang="ko-KR" altLang="en-US"/>
           </a:p>
@@ -2206,7 +2210,7 @@
           <a:p>
             <a:fld id="{FB30EDBD-1C2D-4C1E-B459-B60219FAB484}" type="datetimeFigureOut">
               <a:rPr lang="ko-KR" altLang="en-US" smtClean="0"/>
-              <a:t>2006-10-04</a:t>
+              <a:t>2021-06-17</a:t>
             </a:fld>
             <a:endParaRPr lang="ko-KR" altLang="en-US"/>
           </a:p>
@@ -2454,7 +2458,7 @@
           <a:p>
             <a:fld id="{FB30EDBD-1C2D-4C1E-B459-B60219FAB484}" type="datetimeFigureOut">
               <a:rPr lang="ko-KR" altLang="en-US" smtClean="0"/>
-              <a:t>2006-10-04</a:t>
+              <a:t>2021-06-17</a:t>
             </a:fld>
             <a:endParaRPr lang="ko-KR" altLang="en-US"/>
           </a:p>
@@ -2662,7 +2666,7 @@
           <a:p>
             <a:fld id="{FB30EDBD-1C2D-4C1E-B459-B60219FAB484}" type="datetimeFigureOut">
               <a:rPr lang="ko-KR" altLang="en-US" smtClean="0"/>
-              <a:t>2006-10-04</a:t>
+              <a:t>2021-06-17</a:t>
             </a:fld>
             <a:endParaRPr lang="ko-KR" altLang="en-US"/>
           </a:p>
@@ -3013,6 +3017,378 @@
     </p:otherStyle>
   </p:txStyles>
 </p:sldMaster>
+</file>
+
+<file path=ppt/slides/slide1.xml><?xml version="1.0" encoding="utf-8"?>
+<p:sld xmlns:a="http://schemas.openxmlformats.org/drawingml/2006/main" xmlns:r="http://schemas.openxmlformats.org/officeDocument/2006/relationships" xmlns:p="http://schemas.openxmlformats.org/presentationml/2006/main">
+  <p:cSld>
+    <p:spTree>
+      <p:nvGrpSpPr>
+        <p:cNvPr id="1" name=""/>
+        <p:cNvGrpSpPr/>
+        <p:nvPr/>
+      </p:nvGrpSpPr>
+      <p:grpSpPr>
+        <a:xfrm>
+          <a:off x="0" y="0"/>
+          <a:ext cx="0" cy="0"/>
+          <a:chOff x="0" y="0"/>
+          <a:chExt cx="0" cy="0"/>
+        </a:xfrm>
+      </p:grpSpPr>
+      <p:pic>
+        <p:nvPicPr>
+          <p:cNvPr id="1026" name="Picture 2"/>
+          <p:cNvPicPr>
+            <a:picLocks noChangeAspect="1" noChangeArrowheads="1"/>
+          </p:cNvPicPr>
+          <p:nvPr/>
+        </p:nvPicPr>
+        <p:blipFill>
+          <a:blip r:embed="rId2">
+            <a:extLst>
+              <a:ext uri="{28A0092B-C50C-407E-A947-70E740481C1C}">
+                <a14:useLocalDpi xmlns:a14="http://schemas.microsoft.com/office/drawing/2010/main" val="0"/>
+              </a:ext>
+            </a:extLst>
+          </a:blip>
+          <a:srcRect/>
+          <a:stretch>
+            <a:fillRect/>
+          </a:stretch>
+        </p:blipFill>
+        <p:spPr bwMode="auto">
+          <a:xfrm>
+            <a:off x="1909763" y="1433513"/>
+            <a:ext cx="5324475" cy="3990975"/>
+          </a:xfrm>
+          <a:prstGeom prst="rect">
+            <a:avLst/>
+          </a:prstGeom>
+          <a:noFill/>
+          <a:ln>
+            <a:noFill/>
+          </a:ln>
+          <a:effectLst/>
+          <a:extLst>
+            <a:ext uri="{909E8E84-426E-40DD-AFC4-6F175D3DCCD1}">
+              <a14:hiddenFill xmlns:a14="http://schemas.microsoft.com/office/drawing/2010/main">
+                <a:solidFill>
+                  <a:schemeClr val="accent1"/>
+                </a:solidFill>
+              </a14:hiddenFill>
+            </a:ext>
+            <a:ext uri="{91240B29-F687-4F45-9708-019B960494DF}">
+              <a14:hiddenLine xmlns:a14="http://schemas.microsoft.com/office/drawing/2010/main" w="9525">
+                <a:solidFill>
+                  <a:schemeClr val="tx1"/>
+                </a:solidFill>
+                <a:miter lim="800000"/>
+                <a:headEnd/>
+                <a:tailEnd/>
+              </a14:hiddenLine>
+            </a:ext>
+            <a:ext uri="{AF507438-7753-43E0-B8FC-AC1667EBCBE1}">
+              <a14:hiddenEffects xmlns:a14="http://schemas.microsoft.com/office/drawing/2010/main">
+                <a:effectLst>
+                  <a:outerShdw dist="35921" dir="2700000" algn="ctr" rotWithShape="0">
+                    <a:schemeClr val="bg2"/>
+                  </a:outerShdw>
+                </a:effectLst>
+              </a14:hiddenEffects>
+            </a:ext>
+          </a:extLst>
+        </p:spPr>
+      </p:pic>
+      <p:sp>
+        <p:nvSpPr>
+          <p:cNvPr id="4" name="이등변 삼각형 3"/>
+          <p:cNvSpPr/>
+          <p:nvPr/>
+        </p:nvSpPr>
+        <p:spPr>
+          <a:xfrm rot="352992">
+            <a:off x="5213750" y="3243326"/>
+            <a:ext cx="96646" cy="83317"/>
+          </a:xfrm>
+          <a:prstGeom prst="triangle">
+            <a:avLst/>
+          </a:prstGeom>
+          <a:solidFill>
+            <a:srgbClr val="FF0000"/>
+          </a:solidFill>
+          <a:ln>
+            <a:noFill/>
+          </a:ln>
+        </p:spPr>
+        <p:style>
+          <a:lnRef idx="2">
+            <a:schemeClr val="accent1">
+              <a:shade val="50000"/>
+            </a:schemeClr>
+          </a:lnRef>
+          <a:fillRef idx="1">
+            <a:schemeClr val="accent1"/>
+          </a:fillRef>
+          <a:effectRef idx="0">
+            <a:schemeClr val="accent1"/>
+          </a:effectRef>
+          <a:fontRef idx="minor">
+            <a:schemeClr val="lt1"/>
+          </a:fontRef>
+        </p:style>
+        <p:txBody>
+          <a:bodyPr rtlCol="0" anchor="ctr"/>
+          <a:lstStyle/>
+          <a:p>
+            <a:pPr algn="ctr"/>
+            <a:endParaRPr lang="ko-KR" altLang="en-US"/>
+          </a:p>
+        </p:txBody>
+      </p:sp>
+      <p:sp>
+        <p:nvSpPr>
+          <p:cNvPr id="6" name="이등변 삼각형 5"/>
+          <p:cNvSpPr/>
+          <p:nvPr/>
+        </p:nvSpPr>
+        <p:spPr>
+          <a:xfrm rot="4645818">
+            <a:off x="4758163" y="2710370"/>
+            <a:ext cx="96646" cy="83317"/>
+          </a:xfrm>
+          <a:prstGeom prst="triangle">
+            <a:avLst/>
+          </a:prstGeom>
+          <a:solidFill>
+            <a:srgbClr val="FF0000"/>
+          </a:solidFill>
+          <a:ln>
+            <a:noFill/>
+          </a:ln>
+        </p:spPr>
+        <p:style>
+          <a:lnRef idx="2">
+            <a:schemeClr val="accent1">
+              <a:shade val="50000"/>
+            </a:schemeClr>
+          </a:lnRef>
+          <a:fillRef idx="1">
+            <a:schemeClr val="accent1"/>
+          </a:fillRef>
+          <a:effectRef idx="0">
+            <a:schemeClr val="accent1"/>
+          </a:effectRef>
+          <a:fontRef idx="minor">
+            <a:schemeClr val="lt1"/>
+          </a:fontRef>
+        </p:style>
+        <p:txBody>
+          <a:bodyPr rtlCol="0" anchor="ctr"/>
+          <a:lstStyle/>
+          <a:p>
+            <a:pPr algn="ctr"/>
+            <a:endParaRPr lang="ko-KR" altLang="en-US"/>
+          </a:p>
+        </p:txBody>
+      </p:sp>
+      <p:sp>
+        <p:nvSpPr>
+          <p:cNvPr id="7" name="이등변 삼각형 6"/>
+          <p:cNvSpPr/>
+          <p:nvPr/>
+        </p:nvSpPr>
+        <p:spPr>
+          <a:xfrm rot="352992">
+            <a:off x="4470131" y="3905931"/>
+            <a:ext cx="96646" cy="83317"/>
+          </a:xfrm>
+          <a:prstGeom prst="triangle">
+            <a:avLst/>
+          </a:prstGeom>
+          <a:solidFill>
+            <a:srgbClr val="FF0000"/>
+          </a:solidFill>
+          <a:ln>
+            <a:noFill/>
+          </a:ln>
+        </p:spPr>
+        <p:style>
+          <a:lnRef idx="2">
+            <a:schemeClr val="accent1">
+              <a:shade val="50000"/>
+            </a:schemeClr>
+          </a:lnRef>
+          <a:fillRef idx="1">
+            <a:schemeClr val="accent1"/>
+          </a:fillRef>
+          <a:effectRef idx="0">
+            <a:schemeClr val="accent1"/>
+          </a:effectRef>
+          <a:fontRef idx="minor">
+            <a:schemeClr val="lt1"/>
+          </a:fontRef>
+        </p:style>
+        <p:txBody>
+          <a:bodyPr rtlCol="0" anchor="ctr"/>
+          <a:lstStyle/>
+          <a:p>
+            <a:pPr algn="ctr"/>
+            <a:endParaRPr lang="ko-KR" altLang="en-US"/>
+          </a:p>
+        </p:txBody>
+      </p:sp>
+      <p:sp>
+        <p:nvSpPr>
+          <p:cNvPr id="8" name="이등변 삼각형 7"/>
+          <p:cNvSpPr/>
+          <p:nvPr/>
+        </p:nvSpPr>
+        <p:spPr>
+          <a:xfrm rot="3851445">
+            <a:off x="4044255" y="3366625"/>
+            <a:ext cx="96646" cy="83317"/>
+          </a:xfrm>
+          <a:prstGeom prst="triangle">
+            <a:avLst/>
+          </a:prstGeom>
+          <a:solidFill>
+            <a:srgbClr val="FF0000"/>
+          </a:solidFill>
+          <a:ln>
+            <a:noFill/>
+          </a:ln>
+        </p:spPr>
+        <p:style>
+          <a:lnRef idx="2">
+            <a:schemeClr val="accent1">
+              <a:shade val="50000"/>
+            </a:schemeClr>
+          </a:lnRef>
+          <a:fillRef idx="1">
+            <a:schemeClr val="accent1"/>
+          </a:fillRef>
+          <a:effectRef idx="0">
+            <a:schemeClr val="accent1"/>
+          </a:effectRef>
+          <a:fontRef idx="minor">
+            <a:schemeClr val="lt1"/>
+          </a:fontRef>
+        </p:style>
+        <p:txBody>
+          <a:bodyPr rtlCol="0" anchor="ctr"/>
+          <a:lstStyle/>
+          <a:p>
+            <a:pPr algn="ctr"/>
+            <a:endParaRPr lang="ko-KR" altLang="en-US"/>
+          </a:p>
+        </p:txBody>
+      </p:sp>
+    </p:spTree>
+    <p:extLst>
+      <p:ext uri="{BB962C8B-B14F-4D97-AF65-F5344CB8AC3E}">
+        <p14:creationId xmlns:p14="http://schemas.microsoft.com/office/powerpoint/2010/main" val="900693645"/>
+      </p:ext>
+    </p:extLst>
+  </p:cSld>
+  <p:clrMapOvr>
+    <a:masterClrMapping/>
+  </p:clrMapOvr>
+</p:sld>
+</file>
+
+<file path=ppt/slides/slide2.xml><?xml version="1.0" encoding="utf-8"?>
+<p:sld xmlns:a="http://schemas.openxmlformats.org/drawingml/2006/main" xmlns:r="http://schemas.openxmlformats.org/officeDocument/2006/relationships" xmlns:p="http://schemas.openxmlformats.org/presentationml/2006/main">
+  <p:cSld>
+    <p:spTree>
+      <p:nvGrpSpPr>
+        <p:cNvPr id="1" name=""/>
+        <p:cNvGrpSpPr/>
+        <p:nvPr/>
+      </p:nvGrpSpPr>
+      <p:grpSpPr>
+        <a:xfrm>
+          <a:off x="0" y="0"/>
+          <a:ext cx="0" cy="0"/>
+          <a:chOff x="0" y="0"/>
+          <a:chExt cx="0" cy="0"/>
+        </a:xfrm>
+      </p:grpSpPr>
+      <p:pic>
+        <p:nvPicPr>
+          <p:cNvPr id="2050" name="Picture 2"/>
+          <p:cNvPicPr>
+            <a:picLocks noChangeAspect="1" noChangeArrowheads="1"/>
+          </p:cNvPicPr>
+          <p:nvPr/>
+        </p:nvPicPr>
+        <p:blipFill>
+          <a:blip r:embed="rId2">
+            <a:extLst>
+              <a:ext uri="{28A0092B-C50C-407E-A947-70E740481C1C}">
+                <a14:useLocalDpi xmlns:a14="http://schemas.microsoft.com/office/drawing/2010/main" val="0"/>
+              </a:ext>
+            </a:extLst>
+          </a:blip>
+          <a:srcRect/>
+          <a:stretch>
+            <a:fillRect/>
+          </a:stretch>
+        </p:blipFill>
+        <p:spPr bwMode="auto">
+          <a:xfrm>
+            <a:off x="1909763" y="1433513"/>
+            <a:ext cx="5324475" cy="3990975"/>
+          </a:xfrm>
+          <a:prstGeom prst="rect">
+            <a:avLst/>
+          </a:prstGeom>
+          <a:noFill/>
+          <a:ln>
+            <a:noFill/>
+          </a:ln>
+          <a:effectLst/>
+          <a:extLst>
+            <a:ext uri="{909E8E84-426E-40DD-AFC4-6F175D3DCCD1}">
+              <a14:hiddenFill xmlns:a14="http://schemas.microsoft.com/office/drawing/2010/main">
+                <a:solidFill>
+                  <a:schemeClr val="accent1"/>
+                </a:solidFill>
+              </a14:hiddenFill>
+            </a:ext>
+            <a:ext uri="{91240B29-F687-4F45-9708-019B960494DF}">
+              <a14:hiddenLine xmlns:a14="http://schemas.microsoft.com/office/drawing/2010/main" w="9525">
+                <a:solidFill>
+                  <a:schemeClr val="tx1"/>
+                </a:solidFill>
+                <a:miter lim="800000"/>
+                <a:headEnd/>
+                <a:tailEnd/>
+              </a14:hiddenLine>
+            </a:ext>
+            <a:ext uri="{AF507438-7753-43E0-B8FC-AC1667EBCBE1}">
+              <a14:hiddenEffects xmlns:a14="http://schemas.microsoft.com/office/drawing/2010/main">
+                <a:effectLst>
+                  <a:outerShdw dist="35921" dir="2700000" algn="ctr" rotWithShape="0">
+                    <a:schemeClr val="bg2"/>
+                  </a:outerShdw>
+                </a:effectLst>
+              </a14:hiddenEffects>
+            </a:ext>
+          </a:extLst>
+        </p:spPr>
+      </p:pic>
+    </p:spTree>
+    <p:extLst>
+      <p:ext uri="{BB962C8B-B14F-4D97-AF65-F5344CB8AC3E}">
+        <p14:creationId xmlns:p14="http://schemas.microsoft.com/office/powerpoint/2010/main" val="1775283796"/>
+      </p:ext>
+    </p:extLst>
+  </p:cSld>
+  <p:clrMapOvr>
+    <a:masterClrMapping/>
+  </p:clrMapOvr>
+</p:sld>
 </file>
 
 <file path=ppt/theme/theme1.xml><?xml version="1.0" encoding="utf-8"?>
